--- a/Seminário.pptx
+++ b/Seminário.pptx
@@ -736,7 +736,9 @@
   <p:clrMapOvr>
     <a:masterClrMapping/>
   </p:clrMapOvr>
-  <p:transition spd="med"/>
+  <p:transition>
+    <p:dissolve/>
+  </p:transition>
 </p:sldLayout>
 </file>
 
@@ -788,7 +790,9 @@
   <p:clrMapOvr>
     <a:masterClrMapping/>
   </p:clrMapOvr>
-  <p:transition spd="med"/>
+  <p:transition>
+    <p:dissolve/>
+  </p:transition>
 </p:sldLayout>
 </file>
 
@@ -876,7 +880,9 @@
   <p:clrMapOvr>
     <a:masterClrMapping/>
   </p:clrMapOvr>
-  <p:transition spd="med"/>
+  <p:transition>
+    <p:dissolve/>
+  </p:transition>
 </p:sldLayout>
 </file>
 
@@ -928,7 +934,7 @@
           </a:ln>
           <a:extLst>
             <a:ext uri="{C572A759-6A51-4108-AA02-DFA0A04FC94B}">
-              <ma14:wrappingTextBoxFlag xmlns="" xmlns:ma14="http://schemas.microsoft.com/office/mac/drawingml/2011/main" val="1"/>
+              <ma14:wrappingTextBoxFlag xmlns:ma14="http://schemas.microsoft.com/office/mac/drawingml/2011/main" xmlns="" val="1"/>
             </a:ext>
           </a:extLst>
         </p:spPr>
@@ -967,7 +973,7 @@
           </a:ln>
           <a:extLst>
             <a:ext uri="{C572A759-6A51-4108-AA02-DFA0A04FC94B}">
-              <ma14:wrappingTextBoxFlag xmlns="" xmlns:ma14="http://schemas.microsoft.com/office/mac/drawingml/2011/main" val="1"/>
+              <ma14:wrappingTextBoxFlag xmlns:ma14="http://schemas.microsoft.com/office/mac/drawingml/2011/main" xmlns="" val="1"/>
             </a:ext>
           </a:extLst>
         </p:spPr>
@@ -1125,7 +1131,9 @@
     <p:sldLayoutId id="2147483651" r:id="rId2"/>
     <p:sldLayoutId id="2147483652" r:id="rId3"/>
   </p:sldLayoutIdLst>
-  <p:transition spd="med"/>
+  <p:transition>
+    <p:dissolve/>
+  </p:transition>
   <p:txStyles>
     <p:titleStyle>
       <a:lvl1pPr marL="0" marR="0" indent="0" algn="l" defTabSz="584200" latinLnBrk="0">
@@ -1956,7 +1964,7 @@
           </a:ln>
           <a:extLst>
             <a:ext uri="{C572A759-6A51-4108-AA02-DFA0A04FC94B}">
-              <ma14:wrappingTextBoxFlag xmlns="" xmlns:ma14="http://schemas.microsoft.com/office/mac/drawingml/2011/main" val="1"/>
+              <ma14:wrappingTextBoxFlag xmlns:ma14="http://schemas.microsoft.com/office/mac/drawingml/2011/main" xmlns="" val="1"/>
             </a:ext>
           </a:extLst>
         </p:spPr>
@@ -2006,7 +2014,7 @@
           </a:ln>
           <a:extLst>
             <a:ext uri="{C572A759-6A51-4108-AA02-DFA0A04FC94B}">
-              <ma14:wrappingTextBoxFlag xmlns="" xmlns:ma14="http://schemas.microsoft.com/office/mac/drawingml/2011/main" val="1"/>
+              <ma14:wrappingTextBoxFlag xmlns:ma14="http://schemas.microsoft.com/office/mac/drawingml/2011/main" xmlns="" val="1"/>
             </a:ext>
           </a:extLst>
         </p:spPr>
@@ -2157,7 +2165,9 @@
   <p:clrMapOvr>
     <a:masterClrMapping/>
   </p:clrMapOvr>
-  <p:transition spd="med"/>
+  <p:transition>
+    <p:dissolve/>
+  </p:transition>
 </p:sld>
 </file>
 
@@ -2373,18 +2383,9 @@
   <p:clrMapOvr>
     <a:masterClrMapping/>
   </p:clrMapOvr>
-  <mc:AlternateContent xmlns:mc="http://schemas.openxmlformats.org/markup-compatibility/2006" xmlns:p14="http://schemas.microsoft.com/office/powerpoint/2010/main">
-    <mc:Choice Requires="p14">
-      <p:transition>
-        <p:dissolve/>
-      </p:transition>
-    </mc:Choice>
-    <mc:Fallback xmlns="">
-      <p:transition spd="fast">
-        <p:fade/>
-      </p:transition>
-    </mc:Fallback>
-  </mc:AlternateContent>
+  <p:transition>
+    <p:dissolve/>
+  </p:transition>
 </p:sld>
 </file>
 
@@ -2569,18 +2570,9 @@
   <p:clrMapOvr>
     <a:masterClrMapping/>
   </p:clrMapOvr>
-  <mc:AlternateContent xmlns:mc="http://schemas.openxmlformats.org/markup-compatibility/2006" xmlns:p14="http://schemas.microsoft.com/office/powerpoint/2010/main">
-    <mc:Choice Requires="p14">
-      <p:transition>
-        <p:dissolve/>
-      </p:transition>
-    </mc:Choice>
-    <mc:Fallback xmlns="">
-      <p:transition spd="fast">
-        <p:fade/>
-      </p:transition>
-    </mc:Fallback>
-  </mc:AlternateContent>
+  <p:transition>
+    <p:dissolve/>
+  </p:transition>
 </p:sld>
 </file>
 
@@ -2722,18 +2714,9 @@
   <p:clrMapOvr>
     <a:masterClrMapping/>
   </p:clrMapOvr>
-  <mc:AlternateContent xmlns:mc="http://schemas.openxmlformats.org/markup-compatibility/2006" xmlns:p14="http://schemas.microsoft.com/office/powerpoint/2010/main">
-    <mc:Choice Requires="p14">
-      <p:transition>
-        <p:dissolve/>
-      </p:transition>
-    </mc:Choice>
-    <mc:Fallback xmlns="">
-      <p:transition spd="fast">
-        <p:fade/>
-      </p:transition>
-    </mc:Fallback>
-  </mc:AlternateContent>
+  <p:transition>
+    <p:dissolve/>
+  </p:transition>
 </p:sld>
 </file>
 
@@ -2883,18 +2866,9 @@
   <p:clrMapOvr>
     <a:masterClrMapping/>
   </p:clrMapOvr>
-  <mc:AlternateContent xmlns:mc="http://schemas.openxmlformats.org/markup-compatibility/2006" xmlns:p14="http://schemas.microsoft.com/office/powerpoint/2010/main">
-    <mc:Choice Requires="p14">
-      <p:transition>
-        <p:dissolve/>
-      </p:transition>
-    </mc:Choice>
-    <mc:Fallback xmlns="">
-      <p:transition spd="fast">
-        <p:fade/>
-      </p:transition>
-    </mc:Fallback>
-  </mc:AlternateContent>
+  <p:transition>
+    <p:dissolve/>
+  </p:transition>
 </p:sld>
 </file>
 
@@ -3016,12 +2990,57 @@
         </p:blipFill>
         <p:spPr>
           <a:xfrm>
-            <a:off x="735791" y="4583685"/>
+            <a:off x="735791" y="4811626"/>
             <a:ext cx="4308889" cy="4725415"/>
           </a:xfrm>
           <a:prstGeom prst="rect">
             <a:avLst/>
           </a:prstGeom>
+        </p:spPr>
+      </p:pic>
+      <p:pic>
+        <p:nvPicPr>
+          <p:cNvPr id="1026" name="Picture 2" descr="Resultado de imagem para desenho rotas gps">
+            <a:extLst>
+              <a:ext uri="{FF2B5EF4-FFF2-40B4-BE49-F238E27FC236}">
+                <a16:creationId xmlns:a16="http://schemas.microsoft.com/office/drawing/2014/main" id="{164247ED-C29D-45CE-8723-B9FE6538E8F9}"/>
+              </a:ext>
+            </a:extLst>
+          </p:cNvPr>
+          <p:cNvPicPr>
+            <a:picLocks noChangeAspect="1" noChangeArrowheads="1"/>
+          </p:cNvPicPr>
+          <p:nvPr/>
+        </p:nvPicPr>
+        <p:blipFill rotWithShape="1">
+          <a:blip r:embed="rId3">
+            <a:extLst>
+              <a:ext uri="{28A0092B-C50C-407E-A947-70E740481C1C}">
+                <a14:useLocalDpi xmlns:a14="http://schemas.microsoft.com/office/drawing/2010/main" val="0"/>
+              </a:ext>
+            </a:extLst>
+          </a:blip>
+          <a:srcRect l="12245"/>
+          <a:stretch/>
+        </p:blipFill>
+        <p:spPr bwMode="auto">
+          <a:xfrm>
+            <a:off x="6087495" y="4811625"/>
+            <a:ext cx="5457953" cy="4725415"/>
+          </a:xfrm>
+          <a:prstGeom prst="rect">
+            <a:avLst/>
+          </a:prstGeom>
+          <a:noFill/>
+          <a:extLst>
+            <a:ext uri="{909E8E84-426E-40DD-AFC4-6F175D3DCCD1}">
+              <a14:hiddenFill xmlns:a14="http://schemas.microsoft.com/office/drawing/2010/main">
+                <a:solidFill>
+                  <a:srgbClr val="FFFFFF"/>
+                </a:solidFill>
+              </a14:hiddenFill>
+            </a:ext>
+          </a:extLst>
         </p:spPr>
       </p:pic>
     </p:spTree>
@@ -3034,7 +3053,9 @@
   <p:clrMapOvr>
     <a:masterClrMapping/>
   </p:clrMapOvr>
-  <p:transition spd="med"/>
+  <p:transition>
+    <p:dissolve/>
+  </p:transition>
 </p:sld>
 </file>
 
@@ -3324,22 +3345,6 @@
               <a:rPr lang="en-US" dirty="0"/>
               <a:t> </a:t>
             </a:r>
-            <a:endParaRPr dirty="0"/>
-          </a:p>
-          <a:p>
-            <a:pPr marL="0" lvl="0" indent="0" algn="l" rtl="0">
-              <a:lnSpc>
-                <a:spcPct val="100000"/>
-              </a:lnSpc>
-              <a:spcBef>
-                <a:spcPts val="1000"/>
-              </a:spcBef>
-              <a:spcAft>
-                <a:spcPts val="0"/>
-              </a:spcAft>
-              <a:buNone/>
-            </a:pPr>
-            <a:endParaRPr dirty="0"/>
           </a:p>
           <a:p>
             <a:pPr marL="457200" lvl="0" indent="-457200" algn="l" rtl="0">
@@ -3355,34 +3360,41 @@
               <a:buSzPts val="3600"/>
               <a:buChar char="•"/>
             </a:pPr>
+            <a:endParaRPr dirty="0"/>
+          </a:p>
+          <a:p>
+            <a:pPr marL="457200" indent="-457200" rtl="0">
+              <a:buSzPts val="3600"/>
+            </a:pPr>
             <a:r>
               <a:rPr lang="en-US" dirty="0" err="1"/>
               <a:t>Função</a:t>
             </a:r>
             <a:r>
               <a:rPr lang="en-US" dirty="0"/>
+              <a:t> de </a:t>
+            </a:r>
+            <a:r>
+              <a:rPr lang="en-US" dirty="0" err="1"/>
+              <a:t>Avaliação</a:t>
+            </a:r>
+            <a:r>
+              <a:rPr lang="en-US" dirty="0"/>
+              <a:t> - </a:t>
+            </a:r>
+            <a:r>
+              <a:rPr lang="en-US" dirty="0" err="1"/>
+              <a:t>Função</a:t>
+            </a:r>
+            <a:r>
+              <a:rPr lang="en-US" dirty="0"/>
               <a:t> </a:t>
             </a:r>
             <a:r>
               <a:rPr lang="en-US" dirty="0" err="1"/>
               <a:t>Heurística</a:t>
             </a:r>
-            <a:endParaRPr dirty="0"/>
-          </a:p>
-          <a:p>
-            <a:pPr marL="0" lvl="0" indent="0" algn="l" rtl="0">
-              <a:lnSpc>
-                <a:spcPct val="100000"/>
-              </a:lnSpc>
-              <a:spcBef>
-                <a:spcPts val="1000"/>
-              </a:spcBef>
-              <a:spcAft>
-                <a:spcPts val="0"/>
-              </a:spcAft>
-              <a:buNone/>
-            </a:pPr>
-            <a:endParaRPr dirty="0"/>
+            <a:endParaRPr lang="en-US" dirty="0"/>
           </a:p>
           <a:p>
             <a:pPr marL="457200" lvl="0" indent="-457200" algn="l" rtl="0">
@@ -3398,18 +3410,6 @@
               <a:buSzPts val="3600"/>
               <a:buChar char="•"/>
             </a:pPr>
-            <a:r>
-              <a:rPr lang="en-US" dirty="0" err="1"/>
-              <a:t>Função</a:t>
-            </a:r>
-            <a:r>
-              <a:rPr lang="en-US" dirty="0"/>
-              <a:t> de </a:t>
-            </a:r>
-            <a:r>
-              <a:rPr lang="en-US" dirty="0" err="1"/>
-              <a:t>Avaliação</a:t>
-            </a:r>
             <a:endParaRPr dirty="0"/>
           </a:p>
           <a:p>
@@ -3464,8 +3464,8 @@
   <p:clrMapOvr>
     <a:masterClrMapping/>
   </p:clrMapOvr>
-  <p:transition spd="med">
-    <p:fade thruBlk="1"/>
+  <p:transition>
+    <p:dissolve/>
   </p:transition>
 </p:sld>
 </file>
@@ -4588,7 +4588,9 @@
   <p:clrMapOvr>
     <a:masterClrMapping/>
   </p:clrMapOvr>
-  <p:transition spd="med"/>
+  <p:transition>
+    <p:dissolve/>
+  </p:transition>
 </p:sld>
 </file>
 
@@ -4764,7 +4766,9 @@
   <p:clrMapOvr>
     <a:masterClrMapping/>
   </p:clrMapOvr>
-  <p:transition spd="med"/>
+  <p:transition>
+    <p:dissolve/>
+  </p:transition>
 </p:sld>
 </file>
 
@@ -6161,7 +6165,9 @@
   <p:clrMapOvr>
     <a:masterClrMapping/>
   </p:clrMapOvr>
-  <p:transition spd="med"/>
+  <p:transition>
+    <p:dissolve/>
+  </p:transition>
 </p:sld>
 </file>
 
